--- a/rsj/logo/transpas.pptx
+++ b/rsj/logo/transpas.pptx
@@ -7,6 +7,9 @@
   <p:sldIdLst>
     <p:sldId id="256" r:id="rId2"/>
     <p:sldId id="257" r:id="rId3"/>
+    <p:sldId id="258" r:id="rId4"/>
+    <p:sldId id="259" r:id="rId5"/>
+    <p:sldId id="260" r:id="rId6"/>
   </p:sldIdLst>
   <p:sldSz cx="12192000" cy="6858000"/>
   <p:notesSz cx="6858000" cy="9144000"/>
@@ -105,6 +108,11 @@
       </a:defRPr>
     </a:lvl9pPr>
   </p:defaultTextStyle>
+  <p:extLst>
+    <p:ext uri="{EFAFB233-063F-42B5-8137-9DF3F51BA10A}">
+      <p15:sldGuideLst xmlns:p15="http://schemas.microsoft.com/office/powerpoint/2012/main"/>
+    </p:ext>
+  </p:extLst>
 </p:presentation>
 </file>
 
@@ -338,7 +346,7 @@
             <a:fld id="{B61BEF0D-F0BB-DE4B-95CE-6DB70DBA9567}" type="datetimeFigureOut">
               <a:rPr lang="en-US" dirty="0"/>
               <a:pPr/>
-              <a:t>2/4/2020</a:t>
+              <a:t>2/5/2020</a:t>
             </a:fld>
             <a:endParaRPr lang="en-US" dirty="0"/>
           </a:p>
@@ -669,7 +677,7 @@
             <a:fld id="{B61BEF0D-F0BB-DE4B-95CE-6DB70DBA9567}" type="datetimeFigureOut">
               <a:rPr lang="en-US" dirty="0"/>
               <a:pPr/>
-              <a:t>2/4/2020</a:t>
+              <a:t>2/5/2020</a:t>
             </a:fld>
             <a:endParaRPr lang="en-US" dirty="0"/>
           </a:p>
@@ -944,7 +952,7 @@
             <a:fld id="{B61BEF0D-F0BB-DE4B-95CE-6DB70DBA9567}" type="datetimeFigureOut">
               <a:rPr lang="en-US" dirty="0"/>
               <a:pPr/>
-              <a:t>2/4/2020</a:t>
+              <a:t>2/5/2020</a:t>
             </a:fld>
             <a:endParaRPr lang="en-US" dirty="0"/>
           </a:p>
@@ -1509,7 +1517,7 @@
             <a:fld id="{B61BEF0D-F0BB-DE4B-95CE-6DB70DBA9567}" type="datetimeFigureOut">
               <a:rPr lang="en-US" dirty="0"/>
               <a:pPr/>
-              <a:t>2/4/2020</a:t>
+              <a:t>2/5/2020</a:t>
             </a:fld>
             <a:endParaRPr lang="en-US" dirty="0"/>
           </a:p>
@@ -1784,7 +1792,7 @@
             <a:fld id="{B61BEF0D-F0BB-DE4B-95CE-6DB70DBA9567}" type="datetimeFigureOut">
               <a:rPr lang="en-US" dirty="0"/>
               <a:pPr/>
-              <a:t>2/4/2020</a:t>
+              <a:t>2/5/2020</a:t>
             </a:fld>
             <a:endParaRPr lang="en-US" dirty="0"/>
           </a:p>
@@ -2343,7 +2351,7 @@
             <a:fld id="{B61BEF0D-F0BB-DE4B-95CE-6DB70DBA9567}" type="datetimeFigureOut">
               <a:rPr lang="en-US" dirty="0"/>
               <a:pPr/>
-              <a:t>2/4/2020</a:t>
+              <a:t>2/5/2020</a:t>
             </a:fld>
             <a:endParaRPr lang="en-US" dirty="0"/>
           </a:p>
@@ -2667,7 +2675,7 @@
             <a:fld id="{B61BEF0D-F0BB-DE4B-95CE-6DB70DBA9567}" type="datetimeFigureOut">
               <a:rPr lang="en-US" dirty="0"/>
               <a:pPr/>
-              <a:t>2/4/2020</a:t>
+              <a:t>2/5/2020</a:t>
             </a:fld>
             <a:endParaRPr lang="en-US" dirty="0"/>
           </a:p>
@@ -2841,7 +2849,7 @@
             <a:fld id="{B61BEF0D-F0BB-DE4B-95CE-6DB70DBA9567}" type="datetimeFigureOut">
               <a:rPr lang="en-US" dirty="0"/>
               <a:pPr/>
-              <a:t>2/4/2020</a:t>
+              <a:t>2/5/2020</a:t>
             </a:fld>
             <a:endParaRPr lang="en-US" dirty="0"/>
           </a:p>
@@ -3076,7 +3084,7 @@
             <a:fld id="{B61BEF0D-F0BB-DE4B-95CE-6DB70DBA9567}" type="datetimeFigureOut">
               <a:rPr lang="en-US" dirty="0"/>
               <a:pPr/>
-              <a:t>2/4/2020</a:t>
+              <a:t>2/5/2020</a:t>
             </a:fld>
             <a:endParaRPr lang="en-US" dirty="0"/>
           </a:p>
@@ -3273,7 +3281,7 @@
             <a:fld id="{B61BEF0D-F0BB-DE4B-95CE-6DB70DBA9567}" type="datetimeFigureOut">
               <a:rPr lang="en-US" dirty="0"/>
               <a:pPr/>
-              <a:t>2/4/2020</a:t>
+              <a:t>2/5/2020</a:t>
             </a:fld>
             <a:endParaRPr lang="en-US" dirty="0"/>
           </a:p>
@@ -3546,7 +3554,7 @@
             <a:fld id="{B61BEF0D-F0BB-DE4B-95CE-6DB70DBA9567}" type="datetimeFigureOut">
               <a:rPr lang="en-US" dirty="0"/>
               <a:pPr/>
-              <a:t>2/4/2020</a:t>
+              <a:t>2/5/2020</a:t>
             </a:fld>
             <a:endParaRPr lang="en-US" dirty="0"/>
           </a:p>
@@ -3809,7 +3817,7 @@
             <a:fld id="{B61BEF0D-F0BB-DE4B-95CE-6DB70DBA9567}" type="datetimeFigureOut">
               <a:rPr lang="en-US" dirty="0"/>
               <a:pPr/>
-              <a:t>2/4/2020</a:t>
+              <a:t>2/5/2020</a:t>
             </a:fld>
             <a:endParaRPr lang="en-US" dirty="0"/>
           </a:p>
@@ -4180,7 +4188,7 @@
             <a:fld id="{B61BEF0D-F0BB-DE4B-95CE-6DB70DBA9567}" type="datetimeFigureOut">
               <a:rPr lang="en-US" dirty="0"/>
               <a:pPr/>
-              <a:t>2/4/2020</a:t>
+              <a:t>2/5/2020</a:t>
             </a:fld>
             <a:endParaRPr lang="en-US" dirty="0"/>
           </a:p>
@@ -4325,7 +4333,7 @@
             <a:fld id="{B61BEF0D-F0BB-DE4B-95CE-6DB70DBA9567}" type="datetimeFigureOut">
               <a:rPr lang="en-US" dirty="0"/>
               <a:pPr/>
-              <a:t>2/4/2020</a:t>
+              <a:t>2/5/2020</a:t>
             </a:fld>
             <a:endParaRPr lang="en-US" dirty="0"/>
           </a:p>
@@ -4447,7 +4455,7 @@
             <a:fld id="{B61BEF0D-F0BB-DE4B-95CE-6DB70DBA9567}" type="datetimeFigureOut">
               <a:rPr lang="en-US" dirty="0"/>
               <a:pPr/>
-              <a:t>2/4/2020</a:t>
+              <a:t>2/5/2020</a:t>
             </a:fld>
             <a:endParaRPr lang="en-US" dirty="0"/>
           </a:p>
@@ -4729,7 +4737,7 @@
             <a:fld id="{B61BEF0D-F0BB-DE4B-95CE-6DB70DBA9567}" type="datetimeFigureOut">
               <a:rPr lang="en-US" dirty="0"/>
               <a:pPr/>
-              <a:t>2/4/2020</a:t>
+              <a:t>2/5/2020</a:t>
             </a:fld>
             <a:endParaRPr lang="en-US" dirty="0"/>
           </a:p>
@@ -5050,7 +5058,7 @@
             <a:fld id="{B61BEF0D-F0BB-DE4B-95CE-6DB70DBA9567}" type="datetimeFigureOut">
               <a:rPr lang="en-US" dirty="0"/>
               <a:pPr/>
-              <a:t>2/4/2020</a:t>
+              <a:t>2/5/2020</a:t>
             </a:fld>
             <a:endParaRPr lang="en-US" dirty="0"/>
           </a:p>
@@ -5261,7 +5269,7 @@
             <a:fld id="{B61BEF0D-F0BB-DE4B-95CE-6DB70DBA9567}" type="datetimeFigureOut">
               <a:rPr lang="en-US" dirty="0"/>
               <a:pPr/>
-              <a:t>2/4/2020</a:t>
+              <a:t>2/5/2020</a:t>
             </a:fld>
             <a:endParaRPr lang="en-US" dirty="0"/>
           </a:p>
@@ -5807,8 +5815,8 @@
         </p:blipFill>
         <p:spPr bwMode="auto">
           <a:xfrm>
-            <a:off x="3862110" y="1625279"/>
-            <a:ext cx="5934075" cy="3352800"/>
+            <a:off x="4406900" y="2101420"/>
+            <a:ext cx="3931922" cy="2282050"/>
           </a:xfrm>
           <a:prstGeom prst="rect">
             <a:avLst/>
@@ -5853,10 +5861,358 @@
           <a:chExt cx="0" cy="0"/>
         </a:xfrm>
       </p:grpSpPr>
+      <p:pic>
+        <p:nvPicPr>
+          <p:cNvPr id="2" name="Picture 1">
+            <a:extLst>
+              <a:ext uri="{FF2B5EF4-FFF2-40B4-BE49-F238E27FC236}">
+                <a16:creationId xmlns:a16="http://schemas.microsoft.com/office/drawing/2014/main" id="{2F833D79-6D09-4FE3-959E-9A7C19EE7221}"/>
+              </a:ext>
+            </a:extLst>
+          </p:cNvPr>
+          <p:cNvPicPr>
+            <a:picLocks noChangeAspect="1"/>
+          </p:cNvPicPr>
+          <p:nvPr/>
+        </p:nvPicPr>
+        <p:blipFill>
+          <a:blip r:embed="rId2">
+            <a:clrChange>
+              <a:clrFrom>
+                <a:srgbClr val="FFFFFF"/>
+              </a:clrFrom>
+              <a:clrTo>
+                <a:srgbClr val="FFFFFF">
+                  <a:alpha val="0"/>
+                </a:srgbClr>
+              </a:clrTo>
+            </a:clrChange>
+          </a:blip>
+          <a:stretch>
+            <a:fillRect/>
+          </a:stretch>
+        </p:blipFill>
+        <p:spPr>
+          <a:xfrm>
+            <a:off x="4038757" y="2199070"/>
+            <a:ext cx="4292285" cy="3655630"/>
+          </a:xfrm>
+          <a:prstGeom prst="rect">
+            <a:avLst/>
+          </a:prstGeom>
+        </p:spPr>
+      </p:pic>
     </p:spTree>
     <p:extLst>
       <p:ext uri="{BB962C8B-B14F-4D97-AF65-F5344CB8AC3E}">
         <p14:creationId xmlns:p14="http://schemas.microsoft.com/office/powerpoint/2010/main" val="4288877462"/>
+      </p:ext>
+    </p:extLst>
+  </p:cSld>
+  <p:clrMapOvr>
+    <a:masterClrMapping/>
+  </p:clrMapOvr>
+</p:sld>
+</file>
+
+<file path=ppt/slides/slide3.xml><?xml version="1.0" encoding="utf-8"?>
+<p:sld xmlns:a="http://schemas.openxmlformats.org/drawingml/2006/main" xmlns:r="http://schemas.openxmlformats.org/officeDocument/2006/relationships" xmlns:p="http://schemas.openxmlformats.org/presentationml/2006/main">
+  <p:cSld>
+    <p:spTree>
+      <p:nvGrpSpPr>
+        <p:cNvPr id="1" name=""/>
+        <p:cNvGrpSpPr/>
+        <p:nvPr/>
+      </p:nvGrpSpPr>
+      <p:grpSpPr>
+        <a:xfrm>
+          <a:off x="0" y="0"/>
+          <a:ext cx="0" cy="0"/>
+          <a:chOff x="0" y="0"/>
+          <a:chExt cx="0" cy="0"/>
+        </a:xfrm>
+      </p:grpSpPr>
+      <p:pic>
+        <p:nvPicPr>
+          <p:cNvPr id="3" name="Picture 2">
+            <a:extLst>
+              <a:ext uri="{FF2B5EF4-FFF2-40B4-BE49-F238E27FC236}">
+                <a16:creationId xmlns:a16="http://schemas.microsoft.com/office/drawing/2014/main" id="{9B467265-3B54-413F-AE49-7D75897434B8}"/>
+              </a:ext>
+            </a:extLst>
+          </p:cNvPr>
+          <p:cNvPicPr>
+            <a:picLocks noChangeAspect="1"/>
+          </p:cNvPicPr>
+          <p:nvPr/>
+        </p:nvPicPr>
+        <p:blipFill>
+          <a:blip r:embed="rId2">
+            <a:clrChange>
+              <a:clrFrom>
+                <a:srgbClr val="FFFFFF"/>
+              </a:clrFrom>
+              <a:clrTo>
+                <a:srgbClr val="FFFFFF">
+                  <a:alpha val="0"/>
+                </a:srgbClr>
+              </a:clrTo>
+            </a:clrChange>
+          </a:blip>
+          <a:stretch>
+            <a:fillRect/>
+          </a:stretch>
+        </p:blipFill>
+        <p:spPr>
+          <a:xfrm>
+            <a:off x="4476750" y="2238375"/>
+            <a:ext cx="3238500" cy="2381250"/>
+          </a:xfrm>
+          <a:prstGeom prst="rect">
+            <a:avLst/>
+          </a:prstGeom>
+        </p:spPr>
+      </p:pic>
+    </p:spTree>
+    <p:extLst>
+      <p:ext uri="{BB962C8B-B14F-4D97-AF65-F5344CB8AC3E}">
+        <p14:creationId xmlns:p14="http://schemas.microsoft.com/office/powerpoint/2010/main" val="120646093"/>
+      </p:ext>
+    </p:extLst>
+  </p:cSld>
+  <p:clrMapOvr>
+    <a:masterClrMapping/>
+  </p:clrMapOvr>
+</p:sld>
+</file>
+
+<file path=ppt/slides/slide4.xml><?xml version="1.0" encoding="utf-8"?>
+<p:sld xmlns:a="http://schemas.openxmlformats.org/drawingml/2006/main" xmlns:r="http://schemas.openxmlformats.org/officeDocument/2006/relationships" xmlns:p="http://schemas.openxmlformats.org/presentationml/2006/main">
+  <p:cSld>
+    <p:spTree>
+      <p:nvGrpSpPr>
+        <p:cNvPr id="1" name=""/>
+        <p:cNvGrpSpPr/>
+        <p:nvPr/>
+      </p:nvGrpSpPr>
+      <p:grpSpPr>
+        <a:xfrm>
+          <a:off x="0" y="0"/>
+          <a:ext cx="0" cy="0"/>
+          <a:chOff x="0" y="0"/>
+          <a:chExt cx="0" cy="0"/>
+        </a:xfrm>
+      </p:grpSpPr>
+      <p:pic>
+        <p:nvPicPr>
+          <p:cNvPr id="3" name="Picture 2">
+            <a:extLst>
+              <a:ext uri="{FF2B5EF4-FFF2-40B4-BE49-F238E27FC236}">
+                <a16:creationId xmlns:a16="http://schemas.microsoft.com/office/drawing/2014/main" id="{0424B524-DBE5-44EF-8E1A-CFF4702FB485}"/>
+              </a:ext>
+            </a:extLst>
+          </p:cNvPr>
+          <p:cNvPicPr>
+            <a:picLocks noChangeAspect="1"/>
+          </p:cNvPicPr>
+          <p:nvPr/>
+        </p:nvPicPr>
+        <p:blipFill>
+          <a:blip r:embed="rId2">
+            <a:clrChange>
+              <a:clrFrom>
+                <a:srgbClr val="FFFFFF"/>
+              </a:clrFrom>
+              <a:clrTo>
+                <a:srgbClr val="FFFFFF">
+                  <a:alpha val="0"/>
+                </a:srgbClr>
+              </a:clrTo>
+            </a:clrChange>
+          </a:blip>
+          <a:stretch>
+            <a:fillRect/>
+          </a:stretch>
+        </p:blipFill>
+        <p:spPr>
+          <a:xfrm>
+            <a:off x="5602147" y="2660086"/>
+            <a:ext cx="1805651" cy="1537827"/>
+          </a:xfrm>
+          <a:prstGeom prst="rect">
+            <a:avLst/>
+          </a:prstGeom>
+        </p:spPr>
+      </p:pic>
+      <p:pic>
+        <p:nvPicPr>
+          <p:cNvPr id="4" name="Picture 3">
+            <a:extLst>
+              <a:ext uri="{FF2B5EF4-FFF2-40B4-BE49-F238E27FC236}">
+                <a16:creationId xmlns:a16="http://schemas.microsoft.com/office/drawing/2014/main" id="{7B86ED9C-BF5C-454E-9502-31AA2607E5A8}"/>
+              </a:ext>
+            </a:extLst>
+          </p:cNvPr>
+          <p:cNvPicPr>
+            <a:picLocks noChangeAspect="1"/>
+          </p:cNvPicPr>
+          <p:nvPr/>
+        </p:nvPicPr>
+        <p:blipFill>
+          <a:blip r:embed="rId3">
+            <a:clrChange>
+              <a:clrFrom>
+                <a:srgbClr val="FFFFFF"/>
+              </a:clrFrom>
+              <a:clrTo>
+                <a:srgbClr val="FFFFFF">
+                  <a:alpha val="0"/>
+                </a:srgbClr>
+              </a:clrTo>
+            </a:clrChange>
+          </a:blip>
+          <a:stretch>
+            <a:fillRect/>
+          </a:stretch>
+        </p:blipFill>
+        <p:spPr>
+          <a:xfrm>
+            <a:off x="4476750" y="3099885"/>
+            <a:ext cx="3238500" cy="2381250"/>
+          </a:xfrm>
+          <a:prstGeom prst="rect">
+            <a:avLst/>
+          </a:prstGeom>
+        </p:spPr>
+      </p:pic>
+    </p:spTree>
+    <p:extLst>
+      <p:ext uri="{BB962C8B-B14F-4D97-AF65-F5344CB8AC3E}">
+        <p14:creationId xmlns:p14="http://schemas.microsoft.com/office/powerpoint/2010/main" val="1542819324"/>
+      </p:ext>
+    </p:extLst>
+  </p:cSld>
+  <p:clrMapOvr>
+    <a:masterClrMapping/>
+  </p:clrMapOvr>
+</p:sld>
+</file>
+
+<file path=ppt/slides/slide5.xml><?xml version="1.0" encoding="utf-8"?>
+<p:sld xmlns:a="http://schemas.openxmlformats.org/drawingml/2006/main" xmlns:r="http://schemas.openxmlformats.org/officeDocument/2006/relationships" xmlns:p="http://schemas.openxmlformats.org/presentationml/2006/main">
+  <p:cSld>
+    <p:spTree>
+      <p:nvGrpSpPr>
+        <p:cNvPr id="1" name=""/>
+        <p:cNvGrpSpPr/>
+        <p:nvPr/>
+      </p:nvGrpSpPr>
+      <p:grpSpPr>
+        <a:xfrm>
+          <a:off x="0" y="0"/>
+          <a:ext cx="0" cy="0"/>
+          <a:chOff x="0" y="0"/>
+          <a:chExt cx="0" cy="0"/>
+        </a:xfrm>
+      </p:grpSpPr>
+      <p:pic>
+        <p:nvPicPr>
+          <p:cNvPr id="2" name="Picture 1">
+            <a:extLst>
+              <a:ext uri="{FF2B5EF4-FFF2-40B4-BE49-F238E27FC236}">
+                <a16:creationId xmlns:a16="http://schemas.microsoft.com/office/drawing/2014/main" id="{134512D6-1B95-4646-814F-11414C9D1A69}"/>
+              </a:ext>
+            </a:extLst>
+          </p:cNvPr>
+          <p:cNvPicPr>
+            <a:picLocks noChangeAspect="1"/>
+          </p:cNvPicPr>
+          <p:nvPr/>
+        </p:nvPicPr>
+        <p:blipFill>
+          <a:blip r:embed="rId2">
+            <a:clrChange>
+              <a:clrFrom>
+                <a:srgbClr val="FFFFFF"/>
+              </a:clrFrom>
+              <a:clrTo>
+                <a:srgbClr val="FFFFFF">
+                  <a:alpha val="0"/>
+                </a:srgbClr>
+              </a:clrTo>
+            </a:clrChange>
+          </a:blip>
+          <a:stretch>
+            <a:fillRect/>
+          </a:stretch>
+        </p:blipFill>
+        <p:spPr>
+          <a:xfrm>
+            <a:off x="4390322" y="1976317"/>
+            <a:ext cx="3411356" cy="2905365"/>
+          </a:xfrm>
+          <a:prstGeom prst="rect">
+            <a:avLst/>
+          </a:prstGeom>
+        </p:spPr>
+      </p:pic>
+      <p:pic>
+        <p:nvPicPr>
+          <p:cNvPr id="3" name="Picture 2">
+            <a:extLst>
+              <a:ext uri="{FF2B5EF4-FFF2-40B4-BE49-F238E27FC236}">
+                <a16:creationId xmlns:a16="http://schemas.microsoft.com/office/drawing/2014/main" id="{E7B6D17E-22A2-4F48-B4C1-660067B5A77F}"/>
+              </a:ext>
+            </a:extLst>
+          </p:cNvPr>
+          <p:cNvPicPr/>
+          <p:nvPr/>
+        </p:nvPicPr>
+        <p:blipFill>
+          <a:blip r:embed="rId3">
+            <a:clrChange>
+              <a:clrFrom>
+                <a:srgbClr val="FFFFFF"/>
+              </a:clrFrom>
+              <a:clrTo>
+                <a:srgbClr val="FFFFFF">
+                  <a:alpha val="0"/>
+                </a:srgbClr>
+              </a:clrTo>
+            </a:clrChange>
+            <a:extLst>
+              <a:ext uri="{28A0092B-C50C-407E-A947-70E740481C1C}">
+                <a14:useLocalDpi xmlns:a14="http://schemas.microsoft.com/office/drawing/2010/main" val="0"/>
+              </a:ext>
+            </a:extLst>
+          </a:blip>
+          <a:srcRect/>
+          <a:stretch>
+            <a:fillRect/>
+          </a:stretch>
+        </p:blipFill>
+        <p:spPr bwMode="auto">
+          <a:xfrm>
+            <a:off x="5969482" y="2590951"/>
+            <a:ext cx="3931922" cy="2282050"/>
+          </a:xfrm>
+          <a:prstGeom prst="rect">
+            <a:avLst/>
+          </a:prstGeom>
+          <a:solidFill>
+            <a:schemeClr val="accent1">
+              <a:alpha val="1000"/>
+            </a:schemeClr>
+          </a:solidFill>
+          <a:ln>
+            <a:noFill/>
+          </a:ln>
+        </p:spPr>
+      </p:pic>
+    </p:spTree>
+    <p:extLst>
+      <p:ext uri="{BB962C8B-B14F-4D97-AF65-F5344CB8AC3E}">
+        <p14:creationId xmlns:p14="http://schemas.microsoft.com/office/powerpoint/2010/main" val="3160655426"/>
       </p:ext>
     </p:extLst>
   </p:cSld>
